--- a/设计文档/战斗界面.pptx
+++ b/设计文档/战斗界面.pptx
@@ -301,7 +301,7 @@
           <a:p>
             <a:fld id="{415155C0-CA67-4CB9-9973-45572416EC78}" type="datetimeFigureOut">
               <a:rPr lang="zh-CN" altLang="en-US" smtClean="0"/>
-              <a:t>2021/9/9</a:t>
+              <a:t>2021/9/16</a:t>
             </a:fld>
             <a:endParaRPr lang="zh-CN" altLang="en-US"/>
           </a:p>
@@ -471,7 +471,7 @@
           <a:p>
             <a:fld id="{415155C0-CA67-4CB9-9973-45572416EC78}" type="datetimeFigureOut">
               <a:rPr lang="zh-CN" altLang="en-US" smtClean="0"/>
-              <a:t>2021/9/9</a:t>
+              <a:t>2021/9/16</a:t>
             </a:fld>
             <a:endParaRPr lang="zh-CN" altLang="en-US"/>
           </a:p>
@@ -651,7 +651,7 @@
           <a:p>
             <a:fld id="{415155C0-CA67-4CB9-9973-45572416EC78}" type="datetimeFigureOut">
               <a:rPr lang="zh-CN" altLang="en-US" smtClean="0"/>
-              <a:t>2021/9/9</a:t>
+              <a:t>2021/9/16</a:t>
             </a:fld>
             <a:endParaRPr lang="zh-CN" altLang="en-US"/>
           </a:p>
@@ -821,7 +821,7 @@
           <a:p>
             <a:fld id="{415155C0-CA67-4CB9-9973-45572416EC78}" type="datetimeFigureOut">
               <a:rPr lang="zh-CN" altLang="en-US" smtClean="0"/>
-              <a:t>2021/9/9</a:t>
+              <a:t>2021/9/16</a:t>
             </a:fld>
             <a:endParaRPr lang="zh-CN" altLang="en-US"/>
           </a:p>
@@ -1067,7 +1067,7 @@
           <a:p>
             <a:fld id="{415155C0-CA67-4CB9-9973-45572416EC78}" type="datetimeFigureOut">
               <a:rPr lang="zh-CN" altLang="en-US" smtClean="0"/>
-              <a:t>2021/9/9</a:t>
+              <a:t>2021/9/16</a:t>
             </a:fld>
             <a:endParaRPr lang="zh-CN" altLang="en-US"/>
           </a:p>
@@ -1355,7 +1355,7 @@
           <a:p>
             <a:fld id="{415155C0-CA67-4CB9-9973-45572416EC78}" type="datetimeFigureOut">
               <a:rPr lang="zh-CN" altLang="en-US" smtClean="0"/>
-              <a:t>2021/9/9</a:t>
+              <a:t>2021/9/16</a:t>
             </a:fld>
             <a:endParaRPr lang="zh-CN" altLang="en-US"/>
           </a:p>
@@ -1777,7 +1777,7 @@
           <a:p>
             <a:fld id="{415155C0-CA67-4CB9-9973-45572416EC78}" type="datetimeFigureOut">
               <a:rPr lang="zh-CN" altLang="en-US" smtClean="0"/>
-              <a:t>2021/9/9</a:t>
+              <a:t>2021/9/16</a:t>
             </a:fld>
             <a:endParaRPr lang="zh-CN" altLang="en-US"/>
           </a:p>
@@ -1895,7 +1895,7 @@
           <a:p>
             <a:fld id="{415155C0-CA67-4CB9-9973-45572416EC78}" type="datetimeFigureOut">
               <a:rPr lang="zh-CN" altLang="en-US" smtClean="0"/>
-              <a:t>2021/9/9</a:t>
+              <a:t>2021/9/16</a:t>
             </a:fld>
             <a:endParaRPr lang="zh-CN" altLang="en-US"/>
           </a:p>
@@ -1990,7 +1990,7 @@
           <a:p>
             <a:fld id="{415155C0-CA67-4CB9-9973-45572416EC78}" type="datetimeFigureOut">
               <a:rPr lang="zh-CN" altLang="en-US" smtClean="0"/>
-              <a:t>2021/9/9</a:t>
+              <a:t>2021/9/16</a:t>
             </a:fld>
             <a:endParaRPr lang="zh-CN" altLang="en-US"/>
           </a:p>
@@ -2267,7 +2267,7 @@
           <a:p>
             <a:fld id="{415155C0-CA67-4CB9-9973-45572416EC78}" type="datetimeFigureOut">
               <a:rPr lang="zh-CN" altLang="en-US" smtClean="0"/>
-              <a:t>2021/9/9</a:t>
+              <a:t>2021/9/16</a:t>
             </a:fld>
             <a:endParaRPr lang="zh-CN" altLang="en-US"/>
           </a:p>
@@ -2520,7 +2520,7 @@
           <a:p>
             <a:fld id="{415155C0-CA67-4CB9-9973-45572416EC78}" type="datetimeFigureOut">
               <a:rPr lang="zh-CN" altLang="en-US" smtClean="0"/>
-              <a:t>2021/9/9</a:t>
+              <a:t>2021/9/16</a:t>
             </a:fld>
             <a:endParaRPr lang="zh-CN" altLang="en-US"/>
           </a:p>
@@ -2733,7 +2733,7 @@
           <a:p>
             <a:fld id="{415155C0-CA67-4CB9-9973-45572416EC78}" type="datetimeFigureOut">
               <a:rPr lang="zh-CN" altLang="en-US" smtClean="0"/>
-              <a:t>2021/9/9</a:t>
+              <a:t>2021/9/16</a:t>
             </a:fld>
             <a:endParaRPr lang="zh-CN" altLang="en-US"/>
           </a:p>
@@ -3412,7 +3412,7 @@
         </p:nvSpPr>
         <p:spPr>
           <a:xfrm>
-            <a:off x="1553986" y="764704"/>
+            <a:off x="1393894" y="789491"/>
             <a:ext cx="6006823" cy="2447492"/>
           </a:xfrm>
           <a:prstGeom prst="roundRect">
@@ -3508,8 +3508,8 @@
         </p:nvSpPr>
         <p:spPr>
           <a:xfrm>
-            <a:off x="407105" y="800318"/>
-            <a:ext cx="1680947" cy="2376264"/>
+            <a:off x="407105" y="908720"/>
+            <a:ext cx="1145889" cy="2267862"/>
           </a:xfrm>
           <a:prstGeom prst="rect">
             <a:avLst/>
@@ -3776,7 +3776,7 @@
         </p:nvSpPr>
         <p:spPr>
           <a:xfrm>
-            <a:off x="640483" y="4702224"/>
+            <a:off x="1625002" y="4666674"/>
             <a:ext cx="1695561" cy="1823120"/>
           </a:xfrm>
           <a:prstGeom prst="roundRect">
@@ -3816,7 +3816,7 @@
         </p:nvSpPr>
         <p:spPr>
           <a:xfrm>
-            <a:off x="2890760" y="4702224"/>
+            <a:off x="3799873" y="4681769"/>
             <a:ext cx="1695561" cy="1823120"/>
           </a:xfrm>
           <a:prstGeom prst="roundRect">
@@ -3856,7 +3856,7 @@
         </p:nvSpPr>
         <p:spPr>
           <a:xfrm>
-            <a:off x="5122058" y="4702224"/>
+            <a:off x="5809763" y="4652754"/>
             <a:ext cx="1695561" cy="1823120"/>
           </a:xfrm>
           <a:prstGeom prst="roundRect">
@@ -3896,8 +3896,8 @@
         </p:nvSpPr>
         <p:spPr>
           <a:xfrm>
-            <a:off x="7512430" y="4767584"/>
-            <a:ext cx="1192949" cy="532715"/>
+            <a:off x="7928025" y="4849483"/>
+            <a:ext cx="867421" cy="387796"/>
           </a:xfrm>
           <a:prstGeom prst="rect">
             <a:avLst/>
@@ -3939,7 +3939,7 @@
         </p:nvSpPr>
         <p:spPr>
           <a:xfrm>
-            <a:off x="7749686" y="4205400"/>
+            <a:off x="7998842" y="4205400"/>
             <a:ext cx="718435" cy="369332"/>
           </a:xfrm>
           <a:prstGeom prst="rect">
@@ -3973,8 +3973,8 @@
         </p:nvSpPr>
         <p:spPr>
           <a:xfrm>
-            <a:off x="7515443" y="5576555"/>
-            <a:ext cx="1192949" cy="532715"/>
+            <a:off x="7928025" y="5460144"/>
+            <a:ext cx="867421" cy="380669"/>
           </a:xfrm>
           <a:prstGeom prst="rect">
             <a:avLst/>
@@ -4042,13 +4042,14 @@
           <p:cNvPr id="45" name="直接箭头连接符 44"/>
           <p:cNvCxnSpPr>
             <a:stCxn id="43" idx="3"/>
+            <a:endCxn id="55" idx="1"/>
           </p:cNvCxnSpPr>
           <p:nvPr/>
         </p:nvCxnSpPr>
         <p:spPr>
           <a:xfrm>
             <a:off x="9164" y="5805264"/>
-            <a:ext cx="602396" cy="0"/>
+            <a:ext cx="1759854" cy="0"/>
           </a:xfrm>
           <a:prstGeom prst="straightConnector1">
             <a:avLst/>
@@ -4080,7 +4081,7 @@
         </p:nvSpPr>
         <p:spPr>
           <a:xfrm>
-            <a:off x="640483" y="4205400"/>
+            <a:off x="1625001" y="4192705"/>
             <a:ext cx="1695561" cy="330183"/>
           </a:xfrm>
           <a:prstGeom prst="roundRect">
@@ -4128,7 +4129,7 @@
         </p:nvSpPr>
         <p:spPr>
           <a:xfrm>
-            <a:off x="2851244" y="4205400"/>
+            <a:off x="3799873" y="4192706"/>
             <a:ext cx="1695561" cy="330183"/>
           </a:xfrm>
           <a:prstGeom prst="roundRect">
@@ -4176,7 +4177,7 @@
         </p:nvSpPr>
         <p:spPr>
           <a:xfrm>
-            <a:off x="5122058" y="4192708"/>
+            <a:off x="5860946" y="4172253"/>
             <a:ext cx="1695561" cy="330183"/>
           </a:xfrm>
           <a:prstGeom prst="roundRect">
@@ -4224,7 +4225,7 @@
         </p:nvSpPr>
         <p:spPr>
           <a:xfrm>
-            <a:off x="568475" y="4831799"/>
+            <a:off x="1552994" y="4796249"/>
             <a:ext cx="1872208" cy="369332"/>
           </a:xfrm>
           <a:prstGeom prst="rect">
@@ -4276,7 +4277,7 @@
         </p:nvSpPr>
         <p:spPr>
           <a:xfrm>
-            <a:off x="2802436" y="4831799"/>
+            <a:off x="3711549" y="4811344"/>
             <a:ext cx="1872208" cy="369332"/>
           </a:xfrm>
           <a:prstGeom prst="rect">
@@ -4328,7 +4329,7 @@
         </p:nvSpPr>
         <p:spPr>
           <a:xfrm>
-            <a:off x="5033734" y="4849330"/>
+            <a:off x="5721439" y="4773333"/>
             <a:ext cx="1872208" cy="369332"/>
           </a:xfrm>
           <a:prstGeom prst="rect">
@@ -4380,7 +4381,7 @@
         </p:nvSpPr>
         <p:spPr>
           <a:xfrm>
-            <a:off x="784499" y="5300299"/>
+            <a:off x="1769018" y="5264749"/>
             <a:ext cx="1442216" cy="1081029"/>
           </a:xfrm>
           <a:prstGeom prst="rect">
@@ -4424,7 +4425,7 @@
         </p:nvSpPr>
         <p:spPr>
           <a:xfrm>
-            <a:off x="3038173" y="5300298"/>
+            <a:off x="3947286" y="5279843"/>
             <a:ext cx="1442216" cy="1081030"/>
           </a:xfrm>
           <a:prstGeom prst="rect">
@@ -4468,7 +4469,7 @@
         </p:nvSpPr>
         <p:spPr>
           <a:xfrm>
-            <a:off x="5248730" y="5300299"/>
+            <a:off x="5987618" y="5279844"/>
             <a:ext cx="1442216" cy="1081029"/>
           </a:xfrm>
           <a:prstGeom prst="rect">
@@ -4499,6 +4500,113 @@
             <a:r>
               <a:rPr lang="zh-CN" altLang="en-US" dirty="0" smtClean="0"/>
               <a:t>技能列表</a:t>
+            </a:r>
+            <a:endParaRPr lang="zh-CN" altLang="en-US" dirty="0"/>
+          </a:p>
+        </p:txBody>
+      </p:sp>
+      <p:sp>
+        <p:nvSpPr>
+          <p:cNvPr id="46" name="矩形 45"/>
+          <p:cNvSpPr/>
+          <p:nvPr/>
+        </p:nvSpPr>
+        <p:spPr>
+          <a:xfrm>
+            <a:off x="7928025" y="6033920"/>
+            <a:ext cx="867421" cy="380669"/>
+          </a:xfrm>
+          <a:prstGeom prst="rect">
+            <a:avLst/>
+          </a:prstGeom>
+        </p:spPr>
+        <p:style>
+          <a:lnRef idx="2">
+            <a:schemeClr val="accent1">
+              <a:shade val="50000"/>
+            </a:schemeClr>
+          </a:lnRef>
+          <a:fillRef idx="1">
+            <a:schemeClr val="accent1"/>
+          </a:fillRef>
+          <a:effectRef idx="0">
+            <a:schemeClr val="accent1"/>
+          </a:effectRef>
+          <a:fontRef idx="minor">
+            <a:schemeClr val="lt1"/>
+          </a:fontRef>
+        </p:style>
+        <p:txBody>
+          <a:bodyPr rtlCol="0" anchor="ctr"/>
+          <a:lstStyle/>
+          <a:p>
+            <a:pPr algn="ctr"/>
+            <a:r>
+              <a:rPr lang="zh-CN" altLang="en-US" dirty="0"/>
+              <a:t>菜单</a:t>
+            </a:r>
+            <a:endParaRPr lang="zh-CN" altLang="en-US" dirty="0"/>
+          </a:p>
+        </p:txBody>
+      </p:sp>
+      <p:sp>
+        <p:nvSpPr>
+          <p:cNvPr id="51" name="矩形 50"/>
+          <p:cNvSpPr/>
+          <p:nvPr/>
+        </p:nvSpPr>
+        <p:spPr>
+          <a:xfrm>
+            <a:off x="338565" y="4186677"/>
+            <a:ext cx="1145889" cy="2267862"/>
+          </a:xfrm>
+          <a:prstGeom prst="rect">
+            <a:avLst/>
+          </a:prstGeom>
+        </p:spPr>
+        <p:style>
+          <a:lnRef idx="2">
+            <a:schemeClr val="accent3">
+              <a:shade val="50000"/>
+            </a:schemeClr>
+          </a:lnRef>
+          <a:fillRef idx="1">
+            <a:schemeClr val="accent3"/>
+          </a:fillRef>
+          <a:effectRef idx="0">
+            <a:schemeClr val="accent3"/>
+          </a:effectRef>
+          <a:fontRef idx="minor">
+            <a:schemeClr val="lt1"/>
+          </a:fontRef>
+        </p:style>
+        <p:txBody>
+          <a:bodyPr rtlCol="0" anchor="ctr"/>
+          <a:lstStyle/>
+          <a:p>
+            <a:pPr algn="ctr"/>
+            <a:r>
+              <a:rPr lang="zh-CN" altLang="en-US" dirty="0"/>
+              <a:t>队伍</a:t>
+            </a:r>
+            <a:r>
+              <a:rPr lang="zh-CN" altLang="en-US" dirty="0" smtClean="0"/>
+              <a:t>状</a:t>
+            </a:r>
+            <a:r>
+              <a:rPr lang="zh-CN" altLang="en-US" dirty="0" smtClean="0"/>
+              <a:t>态</a:t>
+            </a:r>
+            <a:r>
+              <a:rPr lang="en-US" altLang="zh-CN" dirty="0"/>
+              <a:t/>
+            </a:r>
+            <a:br>
+              <a:rPr lang="en-US" altLang="zh-CN" dirty="0"/>
+            </a:br>
+            <a:r>
+              <a:rPr lang="en-US" altLang="zh-CN" dirty="0" smtClean="0"/>
+              <a:t>Buff&amp;Debuff</a:t>
             </a:r>
             <a:endParaRPr lang="zh-CN" altLang="en-US" dirty="0"/>
           </a:p>
